--- a/Lect0.pptx
+++ b/Lect0.pptx
@@ -510,7 +510,7 @@
           <a:p>
             <a:fld id="{C7B72C62-B147-496D-8D17-D8BF68F2B9F2}" type="datetimeFigureOut">
               <a:rPr lang="en-US" smtClean="0"/>
-              <a:t>10/14/2024</a:t>
+              <a:t>10/17/2024</a:t>
             </a:fld>
             <a:endParaRPr lang="en-US"/>
           </a:p>
@@ -834,7 +834,7 @@
           <a:p>
             <a:fld id="{C7B72C62-B147-496D-8D17-D8BF68F2B9F2}" type="datetimeFigureOut">
               <a:rPr lang="en-US" smtClean="0"/>
-              <a:t>10/14/2024</a:t>
+              <a:t>10/17/2024</a:t>
             </a:fld>
             <a:endParaRPr lang="en-US"/>
           </a:p>
@@ -1082,7 +1082,7 @@
           <a:p>
             <a:fld id="{C7B72C62-B147-496D-8D17-D8BF68F2B9F2}" type="datetimeFigureOut">
               <a:rPr lang="en-US" smtClean="0"/>
-              <a:t>10/14/2024</a:t>
+              <a:t>10/17/2024</a:t>
             </a:fld>
             <a:endParaRPr lang="en-US"/>
           </a:p>
@@ -1421,7 +1421,7 @@
           <a:p>
             <a:fld id="{C7B72C62-B147-496D-8D17-D8BF68F2B9F2}" type="datetimeFigureOut">
               <a:rPr lang="en-US" smtClean="0"/>
-              <a:t>10/14/2024</a:t>
+              <a:t>10/17/2024</a:t>
             </a:fld>
             <a:endParaRPr lang="en-US"/>
           </a:p>
@@ -1768,7 +1768,7 @@
           <a:p>
             <a:fld id="{C7B72C62-B147-496D-8D17-D8BF68F2B9F2}" type="datetimeFigureOut">
               <a:rPr lang="en-US" smtClean="0"/>
-              <a:t>10/14/2024</a:t>
+              <a:t>10/17/2024</a:t>
             </a:fld>
             <a:endParaRPr lang="en-US"/>
           </a:p>
@@ -2142,7 +2142,7 @@
           <a:p>
             <a:fld id="{C7B72C62-B147-496D-8D17-D8BF68F2B9F2}" type="datetimeFigureOut">
               <a:rPr lang="en-US" smtClean="0"/>
-              <a:t>10/14/2024</a:t>
+              <a:t>10/17/2024</a:t>
             </a:fld>
             <a:endParaRPr lang="en-US"/>
           </a:p>
@@ -2612,7 +2612,7 @@
           <a:p>
             <a:fld id="{C7B72C62-B147-496D-8D17-D8BF68F2B9F2}" type="datetimeFigureOut">
               <a:rPr lang="en-US" smtClean="0"/>
-              <a:t>10/14/2024</a:t>
+              <a:t>10/17/2024</a:t>
             </a:fld>
             <a:endParaRPr lang="en-US"/>
           </a:p>
@@ -2817,7 +2817,7 @@
           <a:p>
             <a:fld id="{C7B72C62-B147-496D-8D17-D8BF68F2B9F2}" type="datetimeFigureOut">
               <a:rPr lang="en-US" smtClean="0"/>
-              <a:t>10/14/2024</a:t>
+              <a:t>10/17/2024</a:t>
             </a:fld>
             <a:endParaRPr lang="en-US"/>
           </a:p>
@@ -3028,7 +3028,7 @@
           <a:p>
             <a:fld id="{C7B72C62-B147-496D-8D17-D8BF68F2B9F2}" type="datetimeFigureOut">
               <a:rPr lang="en-US" smtClean="0"/>
-              <a:t>10/14/2024</a:t>
+              <a:t>10/17/2024</a:t>
             </a:fld>
             <a:endParaRPr lang="en-US"/>
           </a:p>
@@ -3260,7 +3260,7 @@
           <a:p>
             <a:fld id="{C7B72C62-B147-496D-8D17-D8BF68F2B9F2}" type="datetimeFigureOut">
               <a:rPr lang="en-US" smtClean="0"/>
-              <a:t>10/14/2024</a:t>
+              <a:t>10/17/2024</a:t>
             </a:fld>
             <a:endParaRPr lang="en-US"/>
           </a:p>
@@ -3508,7 +3508,7 @@
           <a:p>
             <a:fld id="{C7B72C62-B147-496D-8D17-D8BF68F2B9F2}" type="datetimeFigureOut">
               <a:rPr lang="en-US" smtClean="0"/>
-              <a:t>10/14/2024</a:t>
+              <a:t>10/17/2024</a:t>
             </a:fld>
             <a:endParaRPr lang="en-US"/>
           </a:p>
@@ -3806,7 +3806,7 @@
           <a:p>
             <a:fld id="{C7B72C62-B147-496D-8D17-D8BF68F2B9F2}" type="datetimeFigureOut">
               <a:rPr lang="en-US" smtClean="0"/>
-              <a:t>10/14/2024</a:t>
+              <a:t>10/17/2024</a:t>
             </a:fld>
             <a:endParaRPr lang="en-US"/>
           </a:p>
@@ -4200,7 +4200,7 @@
           <a:p>
             <a:fld id="{C7B72C62-B147-496D-8D17-D8BF68F2B9F2}" type="datetimeFigureOut">
               <a:rPr lang="en-US" smtClean="0"/>
-              <a:t>10/14/2024</a:t>
+              <a:t>10/17/2024</a:t>
             </a:fld>
             <a:endParaRPr lang="en-US"/>
           </a:p>
@@ -4349,7 +4349,7 @@
           <a:p>
             <a:fld id="{C7B72C62-B147-496D-8D17-D8BF68F2B9F2}" type="datetimeFigureOut">
               <a:rPr lang="en-US" smtClean="0"/>
-              <a:t>10/14/2024</a:t>
+              <a:t>10/17/2024</a:t>
             </a:fld>
             <a:endParaRPr lang="en-US"/>
           </a:p>
@@ -4475,7 +4475,7 @@
           <a:p>
             <a:fld id="{C7B72C62-B147-496D-8D17-D8BF68F2B9F2}" type="datetimeFigureOut">
               <a:rPr lang="en-US" smtClean="0"/>
-              <a:t>10/14/2024</a:t>
+              <a:t>10/17/2024</a:t>
             </a:fld>
             <a:endParaRPr lang="en-US"/>
           </a:p>
@@ -4730,7 +4730,7 @@
           <a:p>
             <a:fld id="{C7B72C62-B147-496D-8D17-D8BF68F2B9F2}" type="datetimeFigureOut">
               <a:rPr lang="en-US" smtClean="0"/>
-              <a:t>10/14/2024</a:t>
+              <a:t>10/17/2024</a:t>
             </a:fld>
             <a:endParaRPr lang="en-US"/>
           </a:p>
@@ -5045,7 +5045,7 @@
           <a:p>
             <a:fld id="{C7B72C62-B147-496D-8D17-D8BF68F2B9F2}" type="datetimeFigureOut">
               <a:rPr lang="en-US" smtClean="0"/>
-              <a:t>10/14/2024</a:t>
+              <a:t>10/17/2024</a:t>
             </a:fld>
             <a:endParaRPr lang="en-US"/>
           </a:p>
@@ -5396,7 +5396,7 @@
           <a:p>
             <a:fld id="{C7B72C62-B147-496D-8D17-D8BF68F2B9F2}" type="datetimeFigureOut">
               <a:rPr lang="en-US" smtClean="0"/>
-              <a:t>10/14/2024</a:t>
+              <a:t>10/17/2024</a:t>
             </a:fld>
             <a:endParaRPr lang="en-US"/>
           </a:p>
@@ -6011,6 +6011,13 @@
   <p:clrMapOvr>
     <a:masterClrMapping/>
   </p:clrMapOvr>
+  <p:timing>
+    <p:tnLst>
+      <p:par>
+        <p:cTn id="1" dur="indefinite" restart="never" nodeType="tmRoot"/>
+      </p:par>
+    </p:tnLst>
+  </p:timing>
 </p:sld>
 </file>
 
@@ -9008,6 +9015,13 @@
   <p:clrMapOvr>
     <a:masterClrMapping/>
   </p:clrMapOvr>
+  <p:timing>
+    <p:tnLst>
+      <p:par>
+        <p:cTn id="1" dur="indefinite" restart="never" nodeType="tmRoot"/>
+      </p:par>
+    </p:tnLst>
+  </p:timing>
 </p:sld>
 </file>
 
@@ -9563,6 +9577,13 @@
   <p:clrMapOvr>
     <a:masterClrMapping/>
   </p:clrMapOvr>
+  <p:timing>
+    <p:tnLst>
+      <p:par>
+        <p:cTn id="1" dur="indefinite" restart="never" nodeType="tmRoot"/>
+      </p:par>
+    </p:tnLst>
+  </p:timing>
 </p:sld>
 </file>
 
@@ -11680,6 +11701,13 @@
   <p:clrMapOvr>
     <a:masterClrMapping/>
   </p:clrMapOvr>
+  <p:timing>
+    <p:tnLst>
+      <p:par>
+        <p:cTn id="1" dur="indefinite" restart="never" nodeType="tmRoot"/>
+      </p:par>
+    </p:tnLst>
+  </p:timing>
 </p:sld>
 </file>
 
@@ -12190,6 +12218,13 @@
   <p:clrMapOvr>
     <a:masterClrMapping/>
   </p:clrMapOvr>
+  <p:timing>
+    <p:tnLst>
+      <p:par>
+        <p:cTn id="1" dur="indefinite" restart="never" nodeType="tmRoot"/>
+      </p:par>
+    </p:tnLst>
+  </p:timing>
 </p:sld>
 </file>
 
@@ -12364,11 +12399,11 @@
               <a:t>Вона м</a:t>
             </a:r>
             <a:r>
-              <a:rPr lang="uk-UA" smtClean="0"/>
+              <a:rPr lang="uk-UA" dirty="0" smtClean="0"/>
               <a:t>і</a:t>
             </a:r>
             <a:r>
-              <a:rPr lang="ru-RU" smtClean="0"/>
+              <a:rPr lang="ru-RU" dirty="0" err="1" smtClean="0"/>
               <a:t>стить</a:t>
             </a:r>
             <a:r>
@@ -12522,7 +12557,7 @@
             </a:r>
             <a:r>
               <a:rPr lang="en-US" dirty="0" smtClean="0"/>
-              <a:t>R1,R2,…,RnR_1, R_2, \dots, R_nR1​,R2​,…,Rn​).</a:t>
+              <a:t>R1,R2,…,Rn​).</a:t>
             </a:r>
           </a:p>
           <a:p>
@@ -12673,6 +12708,13 @@
   <p:clrMapOvr>
     <a:masterClrMapping/>
   </p:clrMapOvr>
+  <p:timing>
+    <p:tnLst>
+      <p:par>
+        <p:cTn id="1" dur="indefinite" restart="never" nodeType="tmRoot"/>
+      </p:par>
+    </p:tnLst>
+  </p:timing>
 </p:sld>
 </file>
 
@@ -15121,6 +15163,13 @@
   <p:clrMapOvr>
     <a:masterClrMapping/>
   </p:clrMapOvr>
+  <p:timing>
+    <p:tnLst>
+      <p:par>
+        <p:cTn id="1" dur="indefinite" restart="never" nodeType="tmRoot"/>
+      </p:par>
+    </p:tnLst>
+  </p:timing>
 </p:sld>
 </file>
 
@@ -16227,6 +16276,13 @@
   <p:clrMapOvr>
     <a:masterClrMapping/>
   </p:clrMapOvr>
+  <p:timing>
+    <p:tnLst>
+      <p:par>
+        <p:cTn id="1" dur="indefinite" restart="never" nodeType="tmRoot"/>
+      </p:par>
+    </p:tnLst>
+  </p:timing>
 </p:sld>
 </file>
 
@@ -16542,6 +16598,9 @@
             </a:r>
           </a:p>
           <a:p>
+            <a:pPr marL="0" indent="0">
+              <a:buNone/>
+            </a:pPr>
             <a:r>
               <a:rPr lang="ru-RU" dirty="0" smtClean="0"/>
               <a:t>Формально машина </a:t>
@@ -16564,6 +16623,9 @@
             </a:r>
           </a:p>
           <a:p>
+            <a:pPr marL="0" indent="0">
+              <a:buNone/>
+            </a:pPr>
             <a:r>
               <a:rPr lang="en-US" b="1" dirty="0" smtClean="0"/>
               <a:t>M = (Q, </a:t>
@@ -16579,6 +16641,9 @@
             <a:endParaRPr lang="en-US" dirty="0" smtClean="0"/>
           </a:p>
           <a:p>
+            <a:pPr marL="0" indent="0">
+              <a:buNone/>
+            </a:pPr>
             <a:r>
               <a:rPr lang="ru-RU" dirty="0" smtClean="0"/>
               <a:t>де:</a:t>
@@ -16892,6 +16957,13 @@
   <p:clrMapOvr>
     <a:masterClrMapping/>
   </p:clrMapOvr>
+  <p:timing>
+    <p:tnLst>
+      <p:par>
+        <p:cTn id="1" dur="indefinite" restart="never" nodeType="tmRoot"/>
+      </p:par>
+    </p:tnLst>
+  </p:timing>
 </p:sld>
 </file>
 
@@ -17397,6 +17469,13 @@
   <p:clrMapOvr>
     <a:masterClrMapping/>
   </p:clrMapOvr>
+  <p:timing>
+    <p:tnLst>
+      <p:par>
+        <p:cTn id="1" dur="indefinite" restart="never" nodeType="tmRoot"/>
+      </p:par>
+    </p:tnLst>
+  </p:timing>
 </p:sld>
 </file>
 
@@ -17963,6 +18042,13 @@
   <p:clrMapOvr>
     <a:masterClrMapping/>
   </p:clrMapOvr>
+  <p:timing>
+    <p:tnLst>
+      <p:par>
+        <p:cTn id="1" dur="indefinite" restart="never" nodeType="tmRoot"/>
+      </p:par>
+    </p:tnLst>
+  </p:timing>
 </p:sld>
 </file>
 
@@ -20240,6 +20326,13 @@
   <p:clrMapOvr>
     <a:masterClrMapping/>
   </p:clrMapOvr>
+  <p:timing>
+    <p:tnLst>
+      <p:par>
+        <p:cTn id="1" dur="indefinite" restart="never" nodeType="tmRoot"/>
+      </p:par>
+    </p:tnLst>
+  </p:timing>
 </p:sld>
 </file>
 
@@ -20430,6 +20523,9 @@
             </a:r>
           </a:p>
           <a:p>
+            <a:pPr marL="0" indent="0">
+              <a:buNone/>
+            </a:pPr>
             <a:r>
               <a:rPr lang="ru-RU" b="1" dirty="0" smtClean="0"/>
               <a:t>Приклад</a:t>
@@ -20690,6 +20786,13 @@
   <p:clrMapOvr>
     <a:masterClrMapping/>
   </p:clrMapOvr>
+  <p:timing>
+    <p:tnLst>
+      <p:par>
+        <p:cTn id="1" dur="indefinite" restart="never" nodeType="tmRoot"/>
+      </p:par>
+    </p:tnLst>
+  </p:timing>
 </p:sld>
 </file>
 
@@ -20783,15 +20886,7 @@
           <a:p>
             <a:r>
               <a:rPr lang="ru-RU" sz="2000" dirty="0" smtClean="0"/>
-              <a:t> </a:t>
-            </a:r>
-            <a:r>
-              <a:rPr lang="ru-RU" sz="2000" dirty="0" smtClean="0"/>
-              <a:t>(</a:t>
-            </a:r>
-            <a:r>
-              <a:rPr lang="ru-RU" sz="2000" dirty="0" smtClean="0"/>
-              <a:t>'</a:t>
+              <a:t> ('</a:t>
             </a:r>
             <a:r>
               <a:rPr lang="en-US" sz="2000" dirty="0" smtClean="0"/>
@@ -20830,15 +20925,7 @@
           <a:p>
             <a:r>
               <a:rPr lang="ru-RU" sz="2000" dirty="0" smtClean="0"/>
-              <a:t> </a:t>
-            </a:r>
-            <a:r>
-              <a:rPr lang="ru-RU" sz="2000" dirty="0" smtClean="0"/>
-              <a:t>(</a:t>
-            </a:r>
-            <a:r>
-              <a:rPr lang="ru-RU" sz="2000" dirty="0" smtClean="0"/>
-              <a:t>'</a:t>
+              <a:t> ('</a:t>
             </a:r>
             <a:r>
               <a:rPr lang="en-US" sz="2000" dirty="0" smtClean="0"/>
@@ -20850,11 +20937,7 @@
             </a:r>
             <a:r>
               <a:rPr lang="ru-RU" sz="2000" dirty="0" smtClean="0"/>
-              <a:t> </a:t>
-            </a:r>
-            <a:r>
-              <a:rPr lang="ru-RU" sz="2000" dirty="0" smtClean="0"/>
-              <a:t>вправо, </a:t>
+              <a:t> вправо, </a:t>
             </a:r>
             <a:r>
               <a:rPr lang="ru-RU" sz="2000" dirty="0" err="1" smtClean="0"/>
@@ -20892,23 +20975,11 @@
           <a:p>
             <a:r>
               <a:rPr lang="ru-RU" sz="2000" dirty="0" smtClean="0"/>
-              <a:t> </a:t>
-            </a:r>
-            <a:r>
-              <a:rPr lang="ru-RU" sz="2000" dirty="0" smtClean="0"/>
-              <a:t>(</a:t>
-            </a:r>
-            <a:r>
-              <a:rPr lang="ru-RU" sz="2000" dirty="0" smtClean="0"/>
-              <a:t>'</a:t>
+              <a:t> ('</a:t>
             </a:r>
             <a:r>
               <a:rPr lang="en-US" sz="2000" dirty="0" smtClean="0"/>
-              <a:t>q1', '0'): ('q2', ' ', 'L'),  </a:t>
-            </a:r>
-            <a:r>
-              <a:rPr lang="en-US" sz="2000" dirty="0" smtClean="0"/>
-              <a:t>#</a:t>
+              <a:t>q1', '0'): ('q2', ' ', 'L'),  #</a:t>
             </a:r>
             <a:r>
               <a:rPr lang="ru-RU" sz="2000" dirty="0" smtClean="0"/>
@@ -20931,38 +21002,18 @@
           <a:p>
             <a:r>
               <a:rPr lang="en-US" sz="2000" dirty="0" smtClean="0"/>
-              <a:t> </a:t>
-            </a:r>
+              <a:t> ('q1', ' '): ('q2', ' ', 'L'),  #</a:t>
+            </a:r>
+            <a:r>
+              <a:rPr lang="uk-UA" sz="2000" dirty="0" smtClean="0"/>
+              <a:t> </a:t>
+            </a:r>
+            <a:endParaRPr lang="en-US" sz="2000" dirty="0" smtClean="0"/>
+          </a:p>
+          <a:p>
             <a:r>
               <a:rPr lang="en-US" sz="2000" dirty="0" smtClean="0"/>
-              <a:t>(</a:t>
-            </a:r>
-            <a:r>
-              <a:rPr lang="en-US" sz="2000" dirty="0" smtClean="0"/>
-              <a:t>'q1', ' '): ('q2', ' ', 'L'),  </a:t>
-            </a:r>
-            <a:r>
-              <a:rPr lang="en-US" sz="2000" dirty="0" smtClean="0"/>
-              <a:t>#</a:t>
-            </a:r>
-            <a:r>
-              <a:rPr lang="uk-UA" sz="2000" dirty="0" smtClean="0"/>
-              <a:t> </a:t>
-            </a:r>
-            <a:endParaRPr lang="en-US" sz="2000" dirty="0" smtClean="0"/>
-          </a:p>
-          <a:p>
-            <a:r>
-              <a:rPr lang="en-US" sz="2000" dirty="0" smtClean="0"/>
-              <a:t> </a:t>
-            </a:r>
-            <a:r>
-              <a:rPr lang="en-US" sz="2000" dirty="0" smtClean="0"/>
-              <a:t>(</a:t>
-            </a:r>
-            <a:r>
-              <a:rPr lang="en-US" sz="2000" dirty="0" smtClean="0"/>
-              <a:t>'q2', '1'): ('</a:t>
+              <a:t> ('q2', '1'): ('</a:t>
             </a:r>
             <a:r>
               <a:rPr lang="en-US" sz="2000" dirty="0" err="1" smtClean="0"/>
@@ -20970,11 +21021,7 @@
             </a:r>
             <a:r>
               <a:rPr lang="en-US" sz="2000" dirty="0" smtClean="0"/>
-              <a:t>', ' ', 'R'),  </a:t>
-            </a:r>
-            <a:r>
-              <a:rPr lang="en-US" sz="2000" dirty="0" smtClean="0"/>
-              <a:t>#</a:t>
+              <a:t>', ' ', 'R'),  #</a:t>
             </a:r>
             <a:r>
               <a:rPr lang="uk-UA" sz="2000" dirty="0" smtClean="0"/>
@@ -20985,15 +21032,7 @@
           <a:p>
             <a:r>
               <a:rPr lang="en-US" sz="2000" dirty="0" smtClean="0"/>
-              <a:t> </a:t>
-            </a:r>
-            <a:r>
-              <a:rPr lang="en-US" sz="2000" dirty="0" smtClean="0"/>
-              <a:t>(</a:t>
-            </a:r>
-            <a:r>
-              <a:rPr lang="en-US" sz="2000" dirty="0" smtClean="0"/>
-              <a:t>'q2', '0'): ('</a:t>
+              <a:t> ('q2', '0'): ('</a:t>
             </a:r>
             <a:r>
               <a:rPr lang="en-US" sz="2000" dirty="0" err="1" smtClean="0"/>
@@ -21007,15 +21046,7 @@
           <a:p>
             <a:r>
               <a:rPr lang="en-US" sz="2000" dirty="0" smtClean="0"/>
-              <a:t> </a:t>
-            </a:r>
-            <a:r>
-              <a:rPr lang="en-US" sz="2000" dirty="0" smtClean="0"/>
-              <a:t>(</a:t>
-            </a:r>
-            <a:r>
-              <a:rPr lang="en-US" sz="2000" dirty="0" smtClean="0"/>
-              <a:t>'q2', ' '): ('</a:t>
+              <a:t> ('q2', ' '): ('</a:t>
             </a:r>
             <a:r>
               <a:rPr lang="en-US" sz="2000" dirty="0" err="1" smtClean="0"/>
@@ -21039,6 +21070,13 @@
   <p:clrMapOvr>
     <a:masterClrMapping/>
   </p:clrMapOvr>
+  <p:timing>
+    <p:tnLst>
+      <p:par>
+        <p:cTn id="1" dur="indefinite" restart="never" nodeType="tmRoot"/>
+      </p:par>
+    </p:tnLst>
+  </p:timing>
 </p:sld>
 </file>
 
@@ -21121,6 +21159,13 @@
   <p:clrMapOvr>
     <a:masterClrMapping/>
   </p:clrMapOvr>
+  <p:timing>
+    <p:tnLst>
+      <p:par>
+        <p:cTn id="1" dur="indefinite" restart="never" nodeType="tmRoot"/>
+      </p:par>
+    </p:tnLst>
+  </p:timing>
 </p:sld>
 </file>
 
@@ -21197,6 +21242,13 @@
   <p:clrMapOvr>
     <a:masterClrMapping/>
   </p:clrMapOvr>
+  <p:timing>
+    <p:tnLst>
+      <p:par>
+        <p:cTn id="1" dur="indefinite" restart="never" nodeType="tmRoot"/>
+      </p:par>
+    </p:tnLst>
+  </p:timing>
 </p:sld>
 </file>
 
@@ -21712,6 +21764,13 @@
   <p:clrMapOvr>
     <a:masterClrMapping/>
   </p:clrMapOvr>
+  <p:timing>
+    <p:tnLst>
+      <p:par>
+        <p:cTn id="1" dur="indefinite" restart="never" nodeType="tmRoot"/>
+      </p:par>
+    </p:tnLst>
+  </p:timing>
 </p:sld>
 </file>
 
@@ -22236,6 +22295,13 @@
   <p:clrMapOvr>
     <a:masterClrMapping/>
   </p:clrMapOvr>
+  <p:timing>
+    <p:tnLst>
+      <p:par>
+        <p:cTn id="1" dur="indefinite" restart="never" nodeType="tmRoot"/>
+      </p:par>
+    </p:tnLst>
+  </p:timing>
 </p:sld>
 </file>
 
@@ -22968,6 +23034,13 @@
   <p:clrMapOvr>
     <a:masterClrMapping/>
   </p:clrMapOvr>
+  <p:timing>
+    <p:tnLst>
+      <p:par>
+        <p:cTn id="1" dur="indefinite" restart="never" nodeType="tmRoot"/>
+      </p:par>
+    </p:tnLst>
+  </p:timing>
 </p:sld>
 </file>
 
@@ -23286,6 +23359,13 @@
   <p:clrMapOvr>
     <a:masterClrMapping/>
   </p:clrMapOvr>
+  <p:timing>
+    <p:tnLst>
+      <p:par>
+        <p:cTn id="1" dur="indefinite" restart="never" nodeType="tmRoot"/>
+      </p:par>
+    </p:tnLst>
+  </p:timing>
 </p:sld>
 </file>
 
@@ -23610,6 +23690,13 @@
   <p:clrMapOvr>
     <a:masterClrMapping/>
   </p:clrMapOvr>
+  <p:timing>
+    <p:tnLst>
+      <p:par>
+        <p:cTn id="1" dur="indefinite" restart="never" nodeType="tmRoot"/>
+      </p:par>
+    </p:tnLst>
+  </p:timing>
 </p:sld>
 </file>
 
@@ -23665,8 +23752,8 @@
         </p:nvSpPr>
         <p:spPr bwMode="auto">
           <a:xfrm>
-            <a:off x="1040423" y="2561127"/>
-            <a:ext cx="11251223" cy="2987485"/>
+            <a:off x="1040423" y="2292849"/>
+            <a:ext cx="11251223" cy="3524042"/>
           </a:xfrm>
           <a:prstGeom prst="rect">
             <a:avLst/>
@@ -24027,12 +24114,34 @@
               <a:t>разом з </a:t>
             </a:r>
             <a:r>
+              <a:rPr lang="uk-UA" sz="1800" dirty="0" err="1"/>
+              <a:t>і</a:t>
+            </a:r>
+            <a:r>
               <a:rPr lang="uk-UA" sz="1800" dirty="0" err="1" smtClean="0"/>
-              <a:t>йомвірністю</a:t>
+              <a:t>м</a:t>
+            </a:r>
+            <a:r>
+              <a:rPr lang="ru-RU" sz="1800" dirty="0"/>
+              <a:t>о</a:t>
             </a:r>
             <a:r>
               <a:rPr lang="uk-UA" sz="1800" dirty="0" smtClean="0"/>
-              <a:t> переходу.</a:t>
+              <a:t>вірністю </a:t>
+            </a:r>
+            <a:endParaRPr lang="en-US" sz="1800" dirty="0" smtClean="0"/>
+          </a:p>
+          <a:p>
+            <a:pPr marL="0" indent="0">
+              <a:buNone/>
+            </a:pPr>
+            <a:r>
+              <a:rPr lang="uk-UA" sz="1800" dirty="0" smtClean="0"/>
+              <a:t>переходу</a:t>
+            </a:r>
+            <a:r>
+              <a:rPr lang="uk-UA" sz="1800" dirty="0" smtClean="0"/>
+              <a:t>.</a:t>
             </a:r>
           </a:p>
           <a:p>
@@ -24041,12 +24150,12 @@
               <a:t>Без обмеження </a:t>
             </a:r>
             <a:r>
-              <a:rPr lang="uk-UA" sz="1800" dirty="0" err="1" smtClean="0"/>
-              <a:t>загільност</a:t>
-            </a:r>
-            <a:r>
               <a:rPr lang="uk-UA" sz="1800" dirty="0" smtClean="0"/>
-              <a:t> – це може бути лише пара переходів</a:t>
+              <a:t>загальності </a:t>
+            </a:r>
+            <a:r>
+              <a:rPr lang="uk-UA" sz="1800" dirty="0" smtClean="0"/>
+              <a:t>– це може бути лише пара переходів</a:t>
             </a:r>
             <a:endParaRPr lang="fr-CA" sz="1800" dirty="0" smtClean="0"/>
           </a:p>
@@ -24878,6 +24987,13 @@
   <p:clrMapOvr>
     <a:masterClrMapping/>
   </p:clrMapOvr>
+  <p:timing>
+    <p:tnLst>
+      <p:par>
+        <p:cTn id="1" dur="indefinite" restart="never" nodeType="tmRoot"/>
+      </p:par>
+    </p:tnLst>
+  </p:timing>
 </p:sld>
 </file>
 
@@ -25351,6 +25467,13 @@
   <p:clrMapOvr>
     <a:masterClrMapping/>
   </p:clrMapOvr>
+  <p:timing>
+    <p:tnLst>
+      <p:par>
+        <p:cTn id="1" dur="indefinite" restart="never" nodeType="tmRoot"/>
+      </p:par>
+    </p:tnLst>
+  </p:timing>
 </p:sld>
 </file>
 
@@ -25667,6 +25790,13 @@
   <p:clrMapOvr>
     <a:masterClrMapping/>
   </p:clrMapOvr>
+  <p:timing>
+    <p:tnLst>
+      <p:par>
+        <p:cTn id="1" dur="indefinite" restart="never" nodeType="tmRoot"/>
+      </p:par>
+    </p:tnLst>
+  </p:timing>
 </p:sld>
 </file>
 
@@ -26840,6 +26970,13 @@
   <p:clrMapOvr>
     <a:masterClrMapping/>
   </p:clrMapOvr>
+  <p:timing>
+    <p:tnLst>
+      <p:par>
+        <p:cTn id="1" dur="indefinite" restart="never" nodeType="tmRoot"/>
+      </p:par>
+    </p:tnLst>
+  </p:timing>
 </p:sld>
 </file>
 
@@ -27365,6 +27502,13 @@
   <p:clrMapOvr>
     <a:masterClrMapping/>
   </p:clrMapOvr>
+  <p:timing>
+    <p:tnLst>
+      <p:par>
+        <p:cTn id="1" dur="indefinite" restart="never" nodeType="tmRoot"/>
+      </p:par>
+    </p:tnLst>
+  </p:timing>
 </p:sld>
 </file>
 
@@ -28031,6 +28175,13 @@
   <p:clrMapOvr>
     <a:masterClrMapping/>
   </p:clrMapOvr>
+  <p:timing>
+    <p:tnLst>
+      <p:par>
+        <p:cTn id="1" dur="indefinite" restart="never" nodeType="tmRoot"/>
+      </p:par>
+    </p:tnLst>
+  </p:timing>
 </p:sld>
 </file>
 
@@ -28656,6 +28807,13 @@
   <p:clrMapOvr>
     <a:masterClrMapping/>
   </p:clrMapOvr>
+  <p:timing>
+    <p:tnLst>
+      <p:par>
+        <p:cTn id="1" dur="indefinite" restart="never" nodeType="tmRoot"/>
+      </p:par>
+    </p:tnLst>
+  </p:timing>
 </p:sld>
 </file>
 
@@ -29229,6 +29387,13 @@
   <p:clrMapOvr>
     <a:masterClrMapping/>
   </p:clrMapOvr>
+  <p:timing>
+    <p:tnLst>
+      <p:par>
+        <p:cTn id="1" dur="indefinite" restart="never" nodeType="tmRoot"/>
+      </p:par>
+    </p:tnLst>
+  </p:timing>
 </p:sld>
 </file>
 
@@ -31242,6 +31407,13 @@
   <p:clrMapOvr>
     <a:masterClrMapping/>
   </p:clrMapOvr>
+  <p:timing>
+    <p:tnLst>
+      <p:par>
+        <p:cTn id="1" dur="indefinite" restart="never" nodeType="tmRoot"/>
+      </p:par>
+    </p:tnLst>
+  </p:timing>
 </p:sld>
 </file>
 
